--- a/docs/SoNet.pptx
+++ b/docs/SoNet.pptx
@@ -107,7 +107,49 @@
       </a:defRPr>
     </a:lvl9pPr>
   </p:defaultTextStyle>
+  <p:extLst>
+    <p:ext uri="{EFAFB233-063F-42B5-8137-9DF3F51BA10A}">
+      <p15:sldGuideLst xmlns:p15="http://schemas.microsoft.com/office/powerpoint/2012/main"/>
+    </p:ext>
+  </p:extLst>
 </p:presentation>
+</file>
+
+<file path=ppt/revisionInfo.xml><?xml version="1.0" encoding="utf-8"?>
+<p1510:revInfo xmlns:a="http://schemas.openxmlformats.org/drawingml/2006/main" xmlns:r="http://schemas.openxmlformats.org/officeDocument/2006/relationships" xmlns:p1510="http://schemas.microsoft.com/office/powerpoint/2015/10/main">
+  <p1510:revLst>
+    <p1510:client id="{0CEF096C-5FA2-41B3-85F1-F18770715A83}" v="7" dt="2019-12-18T05:50:30.314"/>
+  </p1510:revLst>
+</p1510:revInfo>
+</file>
+
+<file path=ppt/changesInfos/changesInfo1.xml><?xml version="1.0" encoding="utf-8"?>
+<pc:chgInfo xmlns:a="http://schemas.openxmlformats.org/drawingml/2006/main" xmlns:r="http://schemas.openxmlformats.org/officeDocument/2006/relationships" xmlns:ac="http://schemas.microsoft.com/office/drawing/2013/main/command" xmlns:pc="http://schemas.microsoft.com/office/powerpoint/2013/main/command">
+  <pc:docChgLst>
+    <pc:chgData name="Jonathan Getachew" userId="59136f738c513e52" providerId="LiveId" clId="{0CEF096C-5FA2-41B3-85F1-F18770715A83}"/>
+    <pc:docChg chg="custSel modSld">
+      <pc:chgData name="Jonathan Getachew" userId="59136f738c513e52" providerId="LiveId" clId="{0CEF096C-5FA2-41B3-85F1-F18770715A83}" dt="2019-12-18T05:50:30.314" v="6" actId="20577"/>
+      <pc:docMkLst>
+        <pc:docMk/>
+      </pc:docMkLst>
+      <pc:sldChg chg="modSp modAnim">
+        <pc:chgData name="Jonathan Getachew" userId="59136f738c513e52" providerId="LiveId" clId="{0CEF096C-5FA2-41B3-85F1-F18770715A83}" dt="2019-12-18T05:50:30.314" v="6" actId="20577"/>
+        <pc:sldMkLst>
+          <pc:docMk/>
+          <pc:sldMk cId="4087603957" sldId="258"/>
+        </pc:sldMkLst>
+        <pc:spChg chg="mod">
+          <ac:chgData name="Jonathan Getachew" userId="59136f738c513e52" providerId="LiveId" clId="{0CEF096C-5FA2-41B3-85F1-F18770715A83}" dt="2019-12-18T05:50:28.700" v="5" actId="5793"/>
+          <ac:spMkLst>
+            <pc:docMk/>
+            <pc:sldMk cId="4087603957" sldId="258"/>
+            <ac:spMk id="3" creationId="{3D779B34-4C18-472D-A7DC-F90E12062737}"/>
+          </ac:spMkLst>
+        </pc:spChg>
+      </pc:sldChg>
+    </pc:docChg>
+  </pc:docChgLst>
+</pc:chgInfo>
 </file>
 
 <file path=ppt/slideLayouts/slideLayout1.xml><?xml version="1.0" encoding="utf-8"?>
@@ -3742,7 +3784,7 @@
         <p:spPr/>
         <p:txBody>
           <a:bodyPr>
-            <a:normAutofit lnSpcReduction="10000"/>
+            <a:normAutofit/>
           </a:bodyPr>
           <a:lstStyle/>
           <a:p>
@@ -3768,17 +3810,8 @@
           <a:p>
             <a:r>
               <a:rPr lang="en-US" dirty="0"/>
-              <a:t>RabbitMQ</a:t>
-            </a:r>
-          </a:p>
-          <a:p>
-            <a:r>
-              <a:rPr lang="en-US" dirty="0"/>
               <a:t>Docker</a:t>
             </a:r>
-          </a:p>
-          <a:p>
-            <a:endParaRPr lang="en-US" dirty="0"/>
           </a:p>
           <a:p>
             <a:r>
@@ -3855,7 +3888,7 @@
                                         <p:tgtEl>
                                           <p:spTgt spid="3">
                                             <p:txEl>
-                                              <p:pRg st="6" end="6"/>
+                                              <p:pRg st="4" end="4"/>
                                             </p:txEl>
                                           </p:spTgt>
                                         </p:tgtEl>
@@ -3873,7 +3906,7 @@
                                         <p:tgtEl>
                                           <p:spTgt spid="3">
                                             <p:txEl>
-                                              <p:pRg st="6" end="6"/>
+                                              <p:pRg st="4" end="4"/>
                                             </p:txEl>
                                           </p:spTgt>
                                         </p:tgtEl>
@@ -3900,7 +3933,7 @@
                                         <p:tgtEl>
                                           <p:spTgt spid="3">
                                             <p:txEl>
-                                              <p:pRg st="6" end="6"/>
+                                              <p:pRg st="4" end="4"/>
                                             </p:txEl>
                                           </p:spTgt>
                                         </p:tgtEl>
@@ -3940,7 +3973,7 @@
                                         <p:tgtEl>
                                           <p:spTgt spid="3">
                                             <p:txEl>
-                                              <p:pRg st="7" end="7"/>
+                                              <p:pRg st="5" end="5"/>
                                             </p:txEl>
                                           </p:spTgt>
                                         </p:tgtEl>
@@ -3958,7 +3991,7 @@
                                         <p:tgtEl>
                                           <p:spTgt spid="3">
                                             <p:txEl>
-                                              <p:pRg st="7" end="7"/>
+                                              <p:pRg st="5" end="5"/>
                                             </p:txEl>
                                           </p:spTgt>
                                         </p:tgtEl>
@@ -3985,7 +4018,7 @@
                                         <p:tgtEl>
                                           <p:spTgt spid="3">
                                             <p:txEl>
-                                              <p:pRg st="7" end="7"/>
+                                              <p:pRg st="5" end="5"/>
                                             </p:txEl>
                                           </p:spTgt>
                                         </p:tgtEl>
@@ -4025,7 +4058,7 @@
                                         <p:tgtEl>
                                           <p:spTgt spid="3">
                                             <p:txEl>
-                                              <p:pRg st="8" end="8"/>
+                                              <p:pRg st="6" end="6"/>
                                             </p:txEl>
                                           </p:spTgt>
                                         </p:tgtEl>
@@ -4043,7 +4076,7 @@
                                         <p:tgtEl>
                                           <p:spTgt spid="3">
                                             <p:txEl>
-                                              <p:pRg st="8" end="8"/>
+                                              <p:pRg st="6" end="6"/>
                                             </p:txEl>
                                           </p:spTgt>
                                         </p:tgtEl>
@@ -4070,7 +4103,7 @@
                                         <p:tgtEl>
                                           <p:spTgt spid="3">
                                             <p:txEl>
-                                              <p:pRg st="8" end="8"/>
+                                              <p:pRg st="6" end="6"/>
                                             </p:txEl>
                                           </p:spTgt>
                                         </p:tgtEl>

--- a/docs/SoNet.pptx
+++ b/docs/SoNet.pptx
@@ -119,6 +119,7 @@
 <p1510:revInfo xmlns:a="http://schemas.openxmlformats.org/drawingml/2006/main" xmlns:r="http://schemas.openxmlformats.org/officeDocument/2006/relationships" xmlns:p1510="http://schemas.microsoft.com/office/powerpoint/2015/10/main">
   <p1510:revLst>
     <p1510:client id="{0CEF096C-5FA2-41B3-85F1-F18770715A83}" v="7" dt="2019-12-18T05:50:30.314"/>
+    <p1510:client id="{00E3A210-E18A-48E1-A84C-D975D9832AC0}" v="22" dt="2019-12-18T15:14:48.619"/>
   </p1510:revLst>
 </p1510:revInfo>
 </file>
@@ -149,6 +150,30 @@
       </pc:sldChg>
     </pc:docChg>
   </pc:docChgLst>
+  <pc:docChgLst>
+    <pc:chgData name="Jonathan Getachew" userId="59136f738c513e52" providerId="LiveId" clId="{00E3A210-E18A-48E1-A84C-D975D9832AC0}"/>
+    <pc:docChg chg="modSld">
+      <pc:chgData name="Jonathan Getachew" userId="59136f738c513e52" providerId="LiveId" clId="{00E3A210-E18A-48E1-A84C-D975D9832AC0}" dt="2019-12-18T15:14:48.619" v="21" actId="20577"/>
+      <pc:docMkLst>
+        <pc:docMk/>
+      </pc:docMkLst>
+      <pc:sldChg chg="modSp">
+        <pc:chgData name="Jonathan Getachew" userId="59136f738c513e52" providerId="LiveId" clId="{00E3A210-E18A-48E1-A84C-D975D9832AC0}" dt="2019-12-18T15:14:48.619" v="21" actId="20577"/>
+        <pc:sldMkLst>
+          <pc:docMk/>
+          <pc:sldMk cId="4087603957" sldId="258"/>
+        </pc:sldMkLst>
+        <pc:spChg chg="mod">
+          <ac:chgData name="Jonathan Getachew" userId="59136f738c513e52" providerId="LiveId" clId="{00E3A210-E18A-48E1-A84C-D975D9832AC0}" dt="2019-12-18T15:14:48.619" v="21" actId="20577"/>
+          <ac:spMkLst>
+            <pc:docMk/>
+            <pc:sldMk cId="4087603957" sldId="258"/>
+            <ac:spMk id="3" creationId="{3D779B34-4C18-472D-A7DC-F90E12062737}"/>
+          </ac:spMkLst>
+        </pc:spChg>
+      </pc:sldChg>
+    </pc:docChg>
+  </pc:docChgLst>
 </pc:chgInfo>
 </file>
 
@@ -299,7 +324,7 @@
           <a:p>
             <a:fld id="{6A4B1A47-EF40-404A-BF4B-C2090D80B082}" type="datetimeFigureOut">
               <a:rPr lang="en-US" smtClean="0"/>
-              <a:t>12/17/2019</a:t>
+              <a:t>12/18/2019</a:t>
             </a:fld>
             <a:endParaRPr lang="en-US"/>
           </a:p>
@@ -497,7 +522,7 @@
           <a:p>
             <a:fld id="{6A4B1A47-EF40-404A-BF4B-C2090D80B082}" type="datetimeFigureOut">
               <a:rPr lang="en-US" smtClean="0"/>
-              <a:t>12/17/2019</a:t>
+              <a:t>12/18/2019</a:t>
             </a:fld>
             <a:endParaRPr lang="en-US"/>
           </a:p>
@@ -705,7 +730,7 @@
           <a:p>
             <a:fld id="{6A4B1A47-EF40-404A-BF4B-C2090D80B082}" type="datetimeFigureOut">
               <a:rPr lang="en-US" smtClean="0"/>
-              <a:t>12/17/2019</a:t>
+              <a:t>12/18/2019</a:t>
             </a:fld>
             <a:endParaRPr lang="en-US"/>
           </a:p>
@@ -903,7 +928,7 @@
           <a:p>
             <a:fld id="{6A4B1A47-EF40-404A-BF4B-C2090D80B082}" type="datetimeFigureOut">
               <a:rPr lang="en-US" smtClean="0"/>
-              <a:t>12/17/2019</a:t>
+              <a:t>12/18/2019</a:t>
             </a:fld>
             <a:endParaRPr lang="en-US"/>
           </a:p>
@@ -1178,7 +1203,7 @@
           <a:p>
             <a:fld id="{6A4B1A47-EF40-404A-BF4B-C2090D80B082}" type="datetimeFigureOut">
               <a:rPr lang="en-US" smtClean="0"/>
-              <a:t>12/17/2019</a:t>
+              <a:t>12/18/2019</a:t>
             </a:fld>
             <a:endParaRPr lang="en-US"/>
           </a:p>
@@ -1443,7 +1468,7 @@
           <a:p>
             <a:fld id="{6A4B1A47-EF40-404A-BF4B-C2090D80B082}" type="datetimeFigureOut">
               <a:rPr lang="en-US" smtClean="0"/>
-              <a:t>12/17/2019</a:t>
+              <a:t>12/18/2019</a:t>
             </a:fld>
             <a:endParaRPr lang="en-US"/>
           </a:p>
@@ -1855,7 +1880,7 @@
           <a:p>
             <a:fld id="{6A4B1A47-EF40-404A-BF4B-C2090D80B082}" type="datetimeFigureOut">
               <a:rPr lang="en-US" smtClean="0"/>
-              <a:t>12/17/2019</a:t>
+              <a:t>12/18/2019</a:t>
             </a:fld>
             <a:endParaRPr lang="en-US"/>
           </a:p>
@@ -1996,7 +2021,7 @@
           <a:p>
             <a:fld id="{6A4B1A47-EF40-404A-BF4B-C2090D80B082}" type="datetimeFigureOut">
               <a:rPr lang="en-US" smtClean="0"/>
-              <a:t>12/17/2019</a:t>
+              <a:t>12/18/2019</a:t>
             </a:fld>
             <a:endParaRPr lang="en-US"/>
           </a:p>
@@ -2109,7 +2134,7 @@
           <a:p>
             <a:fld id="{6A4B1A47-EF40-404A-BF4B-C2090D80B082}" type="datetimeFigureOut">
               <a:rPr lang="en-US" smtClean="0"/>
-              <a:t>12/17/2019</a:t>
+              <a:t>12/18/2019</a:t>
             </a:fld>
             <a:endParaRPr lang="en-US"/>
           </a:p>
@@ -2420,7 +2445,7 @@
           <a:p>
             <a:fld id="{6A4B1A47-EF40-404A-BF4B-C2090D80B082}" type="datetimeFigureOut">
               <a:rPr lang="en-US" smtClean="0"/>
-              <a:t>12/17/2019</a:t>
+              <a:t>12/18/2019</a:t>
             </a:fld>
             <a:endParaRPr lang="en-US"/>
           </a:p>
@@ -2708,7 +2733,7 @@
           <a:p>
             <a:fld id="{6A4B1A47-EF40-404A-BF4B-C2090D80B082}" type="datetimeFigureOut">
               <a:rPr lang="en-US" smtClean="0"/>
-              <a:t>12/17/2019</a:t>
+              <a:t>12/18/2019</a:t>
             </a:fld>
             <a:endParaRPr lang="en-US"/>
           </a:p>
@@ -2949,7 +2974,7 @@
           <a:p>
             <a:fld id="{6A4B1A47-EF40-404A-BF4B-C2090D80B082}" type="datetimeFigureOut">
               <a:rPr lang="en-US" smtClean="0"/>
-              <a:t>12/17/2019</a:t>
+              <a:t>12/18/2019</a:t>
             </a:fld>
             <a:endParaRPr lang="en-US"/>
           </a:p>
@@ -3809,6 +3834,12 @@
           </a:p>
           <a:p>
             <a:r>
+              <a:rPr lang="en-US"/>
+              <a:t>Simple Message Broker</a:t>
+            </a:r>
+          </a:p>
+          <a:p>
+            <a:r>
               <a:rPr lang="en-US" dirty="0"/>
               <a:t>Docker</a:t>
             </a:r>
@@ -3888,7 +3919,7 @@
                                         <p:tgtEl>
                                           <p:spTgt spid="3">
                                             <p:txEl>
-                                              <p:pRg st="4" end="4"/>
+                                              <p:pRg st="5" end="5"/>
                                             </p:txEl>
                                           </p:spTgt>
                                         </p:tgtEl>
@@ -3906,7 +3937,7 @@
                                         <p:tgtEl>
                                           <p:spTgt spid="3">
                                             <p:txEl>
-                                              <p:pRg st="4" end="4"/>
+                                              <p:pRg st="5" end="5"/>
                                             </p:txEl>
                                           </p:spTgt>
                                         </p:tgtEl>
@@ -3933,7 +3964,7 @@
                                         <p:tgtEl>
                                           <p:spTgt spid="3">
                                             <p:txEl>
-                                              <p:pRg st="4" end="4"/>
+                                              <p:pRg st="5" end="5"/>
                                             </p:txEl>
                                           </p:spTgt>
                                         </p:tgtEl>
@@ -3973,7 +4004,7 @@
                                         <p:tgtEl>
                                           <p:spTgt spid="3">
                                             <p:txEl>
-                                              <p:pRg st="5" end="5"/>
+                                              <p:pRg st="6" end="6"/>
                                             </p:txEl>
                                           </p:spTgt>
                                         </p:tgtEl>
@@ -3991,7 +4022,7 @@
                                         <p:tgtEl>
                                           <p:spTgt spid="3">
                                             <p:txEl>
-                                              <p:pRg st="5" end="5"/>
+                                              <p:pRg st="6" end="6"/>
                                             </p:txEl>
                                           </p:spTgt>
                                         </p:tgtEl>
@@ -4018,7 +4049,7 @@
                                         <p:tgtEl>
                                           <p:spTgt spid="3">
                                             <p:txEl>
-                                              <p:pRg st="5" end="5"/>
+                                              <p:pRg st="6" end="6"/>
                                             </p:txEl>
                                           </p:spTgt>
                                         </p:tgtEl>
@@ -4058,7 +4089,7 @@
                                         <p:tgtEl>
                                           <p:spTgt spid="3">
                                             <p:txEl>
-                                              <p:pRg st="6" end="6"/>
+                                              <p:pRg st="7" end="7"/>
                                             </p:txEl>
                                           </p:spTgt>
                                         </p:tgtEl>
@@ -4076,7 +4107,7 @@
                                         <p:tgtEl>
                                           <p:spTgt spid="3">
                                             <p:txEl>
-                                              <p:pRg st="6" end="6"/>
+                                              <p:pRg st="7" end="7"/>
                                             </p:txEl>
                                           </p:spTgt>
                                         </p:tgtEl>
@@ -4103,7 +4134,7 @@
                                         <p:tgtEl>
                                           <p:spTgt spid="3">
                                             <p:txEl>
-                                              <p:pRg st="6" end="6"/>
+                                              <p:pRg st="7" end="7"/>
                                             </p:txEl>
                                           </p:spTgt>
                                         </p:tgtEl>

--- a/docs/SoNet.pptx
+++ b/docs/SoNet.pptx
@@ -119,7 +119,7 @@
 <p1510:revInfo xmlns:a="http://schemas.openxmlformats.org/drawingml/2006/main" xmlns:r="http://schemas.openxmlformats.org/officeDocument/2006/relationships" xmlns:p1510="http://schemas.microsoft.com/office/powerpoint/2015/10/main">
   <p1510:revLst>
     <p1510:client id="{0CEF096C-5FA2-41B3-85F1-F18770715A83}" v="7" dt="2019-12-18T05:50:30.314"/>
-    <p1510:client id="{00E3A210-E18A-48E1-A84C-D975D9832AC0}" v="22" dt="2019-12-18T15:14:48.619"/>
+    <p1510:client id="{00E3A210-E18A-48E1-A84C-D975D9832AC0}" v="31" dt="2019-12-18T15:16:52.327"/>
   </p1510:revLst>
 </p1510:revInfo>
 </file>
@@ -152,19 +152,19 @@
   </pc:docChgLst>
   <pc:docChgLst>
     <pc:chgData name="Jonathan Getachew" userId="59136f738c513e52" providerId="LiveId" clId="{00E3A210-E18A-48E1-A84C-D975D9832AC0}"/>
-    <pc:docChg chg="modSld">
-      <pc:chgData name="Jonathan Getachew" userId="59136f738c513e52" providerId="LiveId" clId="{00E3A210-E18A-48E1-A84C-D975D9832AC0}" dt="2019-12-18T15:14:48.619" v="21" actId="20577"/>
+    <pc:docChg chg="custSel modSld">
+      <pc:chgData name="Jonathan Getachew" userId="59136f738c513e52" providerId="LiveId" clId="{00E3A210-E18A-48E1-A84C-D975D9832AC0}" dt="2019-12-18T15:16:52.327" v="31" actId="20577"/>
       <pc:docMkLst>
         <pc:docMk/>
       </pc:docMkLst>
-      <pc:sldChg chg="modSp">
-        <pc:chgData name="Jonathan Getachew" userId="59136f738c513e52" providerId="LiveId" clId="{00E3A210-E18A-48E1-A84C-D975D9832AC0}" dt="2019-12-18T15:14:48.619" v="21" actId="20577"/>
+      <pc:sldChg chg="modSp modAnim">
+        <pc:chgData name="Jonathan Getachew" userId="59136f738c513e52" providerId="LiveId" clId="{00E3A210-E18A-48E1-A84C-D975D9832AC0}" dt="2019-12-18T15:16:52.327" v="31" actId="20577"/>
         <pc:sldMkLst>
           <pc:docMk/>
           <pc:sldMk cId="4087603957" sldId="258"/>
         </pc:sldMkLst>
         <pc:spChg chg="mod">
-          <ac:chgData name="Jonathan Getachew" userId="59136f738c513e52" providerId="LiveId" clId="{00E3A210-E18A-48E1-A84C-D975D9832AC0}" dt="2019-12-18T15:14:48.619" v="21" actId="20577"/>
+          <ac:chgData name="Jonathan Getachew" userId="59136f738c513e52" providerId="LiveId" clId="{00E3A210-E18A-48E1-A84C-D975D9832AC0}" dt="2019-12-18T15:16:52.327" v="31" actId="20577"/>
           <ac:spMkLst>
             <pc:docMk/>
             <pc:sldMk cId="4087603957" sldId="258"/>
@@ -3809,7 +3809,7 @@
         <p:spPr/>
         <p:txBody>
           <a:bodyPr>
-            <a:normAutofit/>
+            <a:normAutofit lnSpcReduction="10000"/>
           </a:bodyPr>
           <a:lstStyle/>
           <a:p>
@@ -3834,7 +3834,7 @@
           </a:p>
           <a:p>
             <a:r>
-              <a:rPr lang="en-US"/>
+              <a:rPr lang="en-US" dirty="0"/>
               <a:t>Simple Message Broker</a:t>
             </a:r>
           </a:p>
@@ -3861,6 +3861,13 @@
               <a:rPr lang="en-US" dirty="0"/>
               <a:t>GitHub – PR based Git Flow branching model</a:t>
             </a:r>
+          </a:p>
+          <a:p>
+            <a:r>
+              <a:rPr lang="en-US"/>
+              <a:t>CircleCI</a:t>
+            </a:r>
+            <a:endParaRPr lang="en-US" dirty="0"/>
           </a:p>
           <a:p>
             <a:endParaRPr lang="en-US" dirty="0"/>
@@ -4135,6 +4142,91 @@
                                           <p:spTgt spid="3">
                                             <p:txEl>
                                               <p:pRg st="7" end="7"/>
+                                            </p:txEl>
+                                          </p:spTgt>
+                                        </p:tgtEl>
+                                        <p:attrNameLst>
+                                          <p:attrName>ppt_y</p:attrName>
+                                        </p:attrNameLst>
+                                      </p:cBhvr>
+                                      <p:tavLst>
+                                        <p:tav tm="0">
+                                          <p:val>
+                                            <p:strVal val="1+#ppt_h/2"/>
+                                          </p:val>
+                                        </p:tav>
+                                        <p:tav tm="100000">
+                                          <p:val>
+                                            <p:strVal val="#ppt_y"/>
+                                          </p:val>
+                                        </p:tav>
+                                      </p:tavLst>
+                                    </p:anim>
+                                  </p:childTnLst>
+                                </p:cTn>
+                              </p:par>
+                              <p:par>
+                                <p:cTn id="17" presetID="2" presetClass="entr" presetSubtype="4" fill="hold" nodeType="withEffect">
+                                  <p:stCondLst>
+                                    <p:cond delay="0"/>
+                                  </p:stCondLst>
+                                  <p:childTnLst>
+                                    <p:set>
+                                      <p:cBhvr>
+                                        <p:cTn id="18" dur="1" fill="hold">
+                                          <p:stCondLst>
+                                            <p:cond delay="0"/>
+                                          </p:stCondLst>
+                                        </p:cTn>
+                                        <p:tgtEl>
+                                          <p:spTgt spid="3">
+                                            <p:txEl>
+                                              <p:pRg st="8" end="8"/>
+                                            </p:txEl>
+                                          </p:spTgt>
+                                        </p:tgtEl>
+                                        <p:attrNameLst>
+                                          <p:attrName>style.visibility</p:attrName>
+                                        </p:attrNameLst>
+                                      </p:cBhvr>
+                                      <p:to>
+                                        <p:strVal val="visible"/>
+                                      </p:to>
+                                    </p:set>
+                                    <p:anim calcmode="lin" valueType="num">
+                                      <p:cBhvr additive="base">
+                                        <p:cTn id="19" dur="500" fill="hold"/>
+                                        <p:tgtEl>
+                                          <p:spTgt spid="3">
+                                            <p:txEl>
+                                              <p:pRg st="8" end="8"/>
+                                            </p:txEl>
+                                          </p:spTgt>
+                                        </p:tgtEl>
+                                        <p:attrNameLst>
+                                          <p:attrName>ppt_x</p:attrName>
+                                        </p:attrNameLst>
+                                      </p:cBhvr>
+                                      <p:tavLst>
+                                        <p:tav tm="0">
+                                          <p:val>
+                                            <p:strVal val="#ppt_x"/>
+                                          </p:val>
+                                        </p:tav>
+                                        <p:tav tm="100000">
+                                          <p:val>
+                                            <p:strVal val="#ppt_x"/>
+                                          </p:val>
+                                        </p:tav>
+                                      </p:tavLst>
+                                    </p:anim>
+                                    <p:anim calcmode="lin" valueType="num">
+                                      <p:cBhvr additive="base">
+                                        <p:cTn id="20" dur="500" fill="hold"/>
+                                        <p:tgtEl>
+                                          <p:spTgt spid="3">
+                                            <p:txEl>
+                                              <p:pRg st="8" end="8"/>
                                             </p:txEl>
                                           </p:spTgt>
                                         </p:tgtEl>
